--- a/Presentation.pptx
+++ b/Presentation.pptx
@@ -110,6 +110,11 @@
       </a:defRPr>
     </a:lvl9pPr>
   </p:defaultTextStyle>
+  <p:extLst>
+    <p:ext uri="{EFAFB233-063F-42B5-8137-9DF3F51BA10A}">
+      <p15:sldGuideLst xmlns:p15="http://schemas.microsoft.com/office/powerpoint/2012/main"/>
+    </p:ext>
+  </p:extLst>
 </p:presentation>
 </file>
 
@@ -3839,12 +3844,8 @@
           <a:lstStyle/>
           <a:p>
             <a:r>
-              <a:rPr lang="en-US" dirty="0" err="1"/>
-              <a:t>Travlr</a:t>
-            </a:r>
-            <a:r>
               <a:rPr lang="en-US" dirty="0"/>
-              <a:t> Chatbot</a:t>
+              <a:t>Travlr Chatbot</a:t>
             </a:r>
             <a:endParaRPr lang="en-IN" dirty="0"/>
           </a:p>
@@ -4101,6 +4102,12 @@
             <a:r>
               <a:rPr lang="en-US" dirty="0"/>
               <a:t>Backend: Python</a:t>
+            </a:r>
+          </a:p>
+          <a:p>
+            <a:r>
+              <a:rPr lang="en-US" dirty="0"/>
+              <a:t>Database: SQLite</a:t>
             </a:r>
           </a:p>
           <a:p>
@@ -5388,8 +5395,8 @@
         </p:nvSpPr>
         <p:spPr>
           <a:xfrm>
-            <a:off x="539262" y="1855176"/>
-            <a:ext cx="11558954" cy="3996471"/>
+            <a:off x="923192" y="1855177"/>
+            <a:ext cx="10946422" cy="1573824"/>
           </a:xfrm>
         </p:spPr>
         <p:txBody>
@@ -5432,8 +5439,8 @@
         </p:nvSpPr>
         <p:spPr>
           <a:xfrm>
-            <a:off x="539262" y="3543323"/>
-            <a:ext cx="11330353" cy="2123658"/>
+            <a:off x="430823" y="3763107"/>
+            <a:ext cx="11330353" cy="2508379"/>
           </a:xfrm>
           <a:prstGeom prst="rect">
             <a:avLst/>
@@ -5446,84 +5453,113 @@
           </a:bodyPr>
           <a:lstStyle/>
           <a:p>
-            <a:r>
-              <a:rPr lang="en-US" sz="1200" dirty="0"/>
-              <a:t>"what are packages available in </a:t>
-            </a:r>
-            <a:r>
-              <a:rPr lang="en-US" sz="1200" dirty="0" err="1"/>
+            <a:pPr lvl="1"/>
+            <a:r>
+              <a:rPr lang="en-US" sz="1400" b="1" dirty="0"/>
+              <a:t>Example of data generated from ChatGPT</a:t>
+            </a:r>
+          </a:p>
+          <a:p>
+            <a:pPr lvl="1"/>
+            <a:endParaRPr lang="en-US" sz="1100" b="1" dirty="0"/>
+          </a:p>
+          <a:p>
+            <a:pPr lvl="1"/>
+            <a:r>
+              <a:rPr lang="en-US" sz="1100" dirty="0"/>
+              <a:t>Query:  "what are packages available in </a:t>
+            </a:r>
+            <a:r>
+              <a:rPr lang="en-US" sz="1100" dirty="0" err="1"/>
               <a:t>india</a:t>
             </a:r>
             <a:r>
-              <a:rPr lang="en-US" sz="1200" dirty="0"/>
+              <a:rPr lang="en-US" sz="1100" dirty="0"/>
               <a:t>?" give me different similar sentences that users would ask an travel chatbot with same meaning like "packages to </a:t>
             </a:r>
             <a:r>
-              <a:rPr lang="en-US" sz="1200" dirty="0" err="1"/>
+              <a:rPr lang="en-US" sz="1100" dirty="0" err="1"/>
               <a:t>india</a:t>
             </a:r>
             <a:r>
-              <a:rPr lang="en-US" sz="1200" dirty="0"/>
+              <a:rPr lang="en-US" sz="1100" dirty="0"/>
               <a:t>“</a:t>
             </a:r>
           </a:p>
           <a:p>
-            <a:endParaRPr lang="en-US" sz="1200" dirty="0"/>
-          </a:p>
-          <a:p>
-            <a:r>
-              <a:rPr lang="en-US" sz="1200" dirty="0"/>
+            <a:pPr lvl="1"/>
+            <a:r>
+              <a:rPr lang="en-US" sz="1100" dirty="0"/>
+              <a:t>Output: </a:t>
+            </a:r>
+          </a:p>
+          <a:p>
+            <a:pPr lvl="1"/>
+            <a:endParaRPr lang="en-US" sz="1100" dirty="0"/>
+          </a:p>
+          <a:p>
+            <a:pPr lvl="1"/>
+            <a:r>
+              <a:rPr lang="en-US" sz="1100" dirty="0"/>
               <a:t>"What travel packages are there for India?" "Show me travel packages to India." </a:t>
             </a:r>
           </a:p>
           <a:p>
-            <a:r>
-              <a:rPr lang="en-US" sz="1200" dirty="0"/>
+            <a:pPr lvl="1"/>
+            <a:r>
+              <a:rPr lang="en-US" sz="1100" dirty="0"/>
               <a:t>"Can you list the available packages for India?" </a:t>
             </a:r>
           </a:p>
           <a:p>
-            <a:r>
-              <a:rPr lang="en-US" sz="1200" dirty="0"/>
+            <a:pPr lvl="1"/>
+            <a:r>
+              <a:rPr lang="en-US" sz="1100" dirty="0"/>
               <a:t>"I'm interested in packages for India." </a:t>
             </a:r>
           </a:p>
           <a:p>
-            <a:r>
-              <a:rPr lang="en-US" sz="1200" dirty="0"/>
+            <a:pPr lvl="1"/>
+            <a:r>
+              <a:rPr lang="en-US" sz="1100" dirty="0"/>
               <a:t>"What are my options for travel packages to India?" </a:t>
             </a:r>
           </a:p>
           <a:p>
-            <a:r>
-              <a:rPr lang="en-US" sz="1200" dirty="0"/>
+            <a:pPr lvl="1"/>
+            <a:r>
+              <a:rPr lang="en-US" sz="1100" dirty="0"/>
               <a:t>"Could you recommend some travel packages to India?" </a:t>
             </a:r>
           </a:p>
           <a:p>
-            <a:r>
-              <a:rPr lang="en-US" sz="1200" dirty="0"/>
+            <a:pPr lvl="1"/>
+            <a:r>
+              <a:rPr lang="en-US" sz="1100" dirty="0"/>
               <a:t>"Are there any vacation packages for India?" </a:t>
             </a:r>
           </a:p>
           <a:p>
-            <a:r>
-              <a:rPr lang="en-US" sz="1200" dirty="0"/>
+            <a:pPr lvl="1"/>
+            <a:r>
+              <a:rPr lang="en-US" sz="1100" dirty="0"/>
               <a:t>"Tell me about the travel packages available in India." </a:t>
             </a:r>
           </a:p>
           <a:p>
-            <a:r>
-              <a:rPr lang="en-US" sz="1200" dirty="0"/>
+            <a:pPr lvl="1"/>
+            <a:r>
+              <a:rPr lang="en-US" sz="1100" dirty="0"/>
               <a:t>"Show me the holiday packages to India." </a:t>
             </a:r>
           </a:p>
           <a:p>
-            <a:r>
-              <a:rPr lang="en-US" sz="1200" dirty="0"/>
+            <a:pPr lvl="1"/>
+            <a:r>
+              <a:rPr lang="en-US" sz="1100" dirty="0"/>
               <a:t>"What kind of tour packages do you have for India?"</a:t>
             </a:r>
-            <a:endParaRPr lang="en-IN" sz="1200" dirty="0"/>
+            <a:endParaRPr lang="en-IN" sz="1100" dirty="0"/>
           </a:p>
         </p:txBody>
       </p:sp>
@@ -5986,6 +6022,42 @@
                 <a:schemeClr val="tx1"/>
               </a:solidFill>
             </a:endParaRPr>
+          </a:p>
+        </p:txBody>
+      </p:sp>
+      <p:sp>
+        <p:nvSpPr>
+          <p:cNvPr id="4" name="TextBox 3">
+            <a:extLst>
+              <a:ext uri="{FF2B5EF4-FFF2-40B4-BE49-F238E27FC236}">
+                <a16:creationId xmlns:a16="http://schemas.microsoft.com/office/drawing/2014/main" id="{84994EDC-1625-8105-B29C-8282BF1D03E3}"/>
+              </a:ext>
+            </a:extLst>
+          </p:cNvPr>
+          <p:cNvSpPr txBox="1"/>
+          <p:nvPr/>
+        </p:nvSpPr>
+        <p:spPr>
+          <a:xfrm>
+            <a:off x="10197904" y="5877887"/>
+            <a:ext cx="1793631" cy="369332"/>
+          </a:xfrm>
+          <a:prstGeom prst="rect">
+            <a:avLst/>
+          </a:prstGeom>
+          <a:noFill/>
+        </p:spPr>
+        <p:txBody>
+          <a:bodyPr wrap="square" rtlCol="0">
+            <a:spAutoFit/>
+          </a:bodyPr>
+          <a:lstStyle/>
+          <a:p>
+            <a:r>
+              <a:rPr lang="en-US" dirty="0"/>
+              <a:t>Sai Abhishek Itta</a:t>
+            </a:r>
+            <a:endParaRPr lang="en-IN" dirty="0"/>
           </a:p>
         </p:txBody>
       </p:sp>
